--- a/bigdata5_crawler_scraper.pptx
+++ b/bigdata5_crawler_scraper.pptx
@@ -8283,7 +8283,7 @@
           <a:p>
             <a:fld id="{3D0320D0-ABE8-4262-8F5B-2D3AD0055DD2}" type="datetimeFigureOut">
               <a:rPr kumimoji="1" lang="ja-JP" altLang="en-US" smtClean="0"/>
-              <a:t>2024/2/17</a:t>
+              <a:t>2024/2/19</a:t>
             </a:fld>
             <a:endParaRPr kumimoji="1" lang="ja-JP" altLang="en-US"/>
           </a:p>
@@ -9048,7 +9048,7 @@
           <a:p>
             <a:fld id="{377C2488-1C52-4C79-A292-77E3DEC1BAAA}" type="datetimeFigureOut">
               <a:rPr kumimoji="1" lang="ja-JP" altLang="en-US" smtClean="0"/>
-              <a:t>2024/2/17</a:t>
+              <a:t>2024/2/19</a:t>
             </a:fld>
             <a:endParaRPr kumimoji="1" lang="ja-JP" altLang="en-US"/>
           </a:p>
@@ -9278,7 +9278,7 @@
           <a:p>
             <a:fld id="{377C2488-1C52-4C79-A292-77E3DEC1BAAA}" type="datetimeFigureOut">
               <a:rPr kumimoji="1" lang="ja-JP" altLang="en-US" smtClean="0"/>
-              <a:t>2024/2/17</a:t>
+              <a:t>2024/2/19</a:t>
             </a:fld>
             <a:endParaRPr kumimoji="1" lang="ja-JP" altLang="en-US"/>
           </a:p>
@@ -9518,7 +9518,7 @@
           <a:p>
             <a:fld id="{377C2488-1C52-4C79-A292-77E3DEC1BAAA}" type="datetimeFigureOut">
               <a:rPr kumimoji="1" lang="ja-JP" altLang="en-US" smtClean="0"/>
-              <a:t>2024/2/17</a:t>
+              <a:t>2024/2/19</a:t>
             </a:fld>
             <a:endParaRPr kumimoji="1" lang="ja-JP" altLang="en-US"/>
           </a:p>
@@ -9748,7 +9748,7 @@
           <a:p>
             <a:fld id="{377C2488-1C52-4C79-A292-77E3DEC1BAAA}" type="datetimeFigureOut">
               <a:rPr kumimoji="1" lang="ja-JP" altLang="en-US" smtClean="0"/>
-              <a:t>2024/2/17</a:t>
+              <a:t>2024/2/19</a:t>
             </a:fld>
             <a:endParaRPr kumimoji="1" lang="ja-JP" altLang="en-US"/>
           </a:p>
@@ -10023,7 +10023,7 @@
           <a:p>
             <a:fld id="{377C2488-1C52-4C79-A292-77E3DEC1BAAA}" type="datetimeFigureOut">
               <a:rPr kumimoji="1" lang="ja-JP" altLang="en-US" smtClean="0"/>
-              <a:t>2024/2/17</a:t>
+              <a:t>2024/2/19</a:t>
             </a:fld>
             <a:endParaRPr kumimoji="1" lang="ja-JP" altLang="en-US"/>
           </a:p>
@@ -10352,7 +10352,7 @@
           <a:p>
             <a:fld id="{377C2488-1C52-4C79-A292-77E3DEC1BAAA}" type="datetimeFigureOut">
               <a:rPr kumimoji="1" lang="ja-JP" altLang="en-US" smtClean="0"/>
-              <a:t>2024/2/17</a:t>
+              <a:t>2024/2/19</a:t>
             </a:fld>
             <a:endParaRPr kumimoji="1" lang="ja-JP" altLang="en-US"/>
           </a:p>
@@ -10828,7 +10828,7 @@
           <a:p>
             <a:fld id="{377C2488-1C52-4C79-A292-77E3DEC1BAAA}" type="datetimeFigureOut">
               <a:rPr kumimoji="1" lang="ja-JP" altLang="en-US" smtClean="0"/>
-              <a:t>2024/2/17</a:t>
+              <a:t>2024/2/19</a:t>
             </a:fld>
             <a:endParaRPr kumimoji="1" lang="ja-JP" altLang="en-US"/>
           </a:p>
@@ -10969,7 +10969,7 @@
           <a:p>
             <a:fld id="{377C2488-1C52-4C79-A292-77E3DEC1BAAA}" type="datetimeFigureOut">
               <a:rPr kumimoji="1" lang="ja-JP" altLang="en-US" smtClean="0"/>
-              <a:t>2024/2/17</a:t>
+              <a:t>2024/2/19</a:t>
             </a:fld>
             <a:endParaRPr kumimoji="1" lang="ja-JP" altLang="en-US"/>
           </a:p>
@@ -11082,7 +11082,7 @@
           <a:p>
             <a:fld id="{377C2488-1C52-4C79-A292-77E3DEC1BAAA}" type="datetimeFigureOut">
               <a:rPr kumimoji="1" lang="ja-JP" altLang="en-US" smtClean="0"/>
-              <a:t>2024/2/17</a:t>
+              <a:t>2024/2/19</a:t>
             </a:fld>
             <a:endParaRPr kumimoji="1" lang="ja-JP" altLang="en-US"/>
           </a:p>
@@ -11425,7 +11425,7 @@
           <a:p>
             <a:fld id="{377C2488-1C52-4C79-A292-77E3DEC1BAAA}" type="datetimeFigureOut">
               <a:rPr kumimoji="1" lang="ja-JP" altLang="en-US" smtClean="0"/>
-              <a:t>2024/2/17</a:t>
+              <a:t>2024/2/19</a:t>
             </a:fld>
             <a:endParaRPr kumimoji="1" lang="ja-JP" altLang="en-US"/>
           </a:p>
@@ -11713,7 +11713,7 @@
           <a:p>
             <a:fld id="{377C2488-1C52-4C79-A292-77E3DEC1BAAA}" type="datetimeFigureOut">
               <a:rPr kumimoji="1" lang="ja-JP" altLang="en-US" smtClean="0"/>
-              <a:t>2024/2/17</a:t>
+              <a:t>2024/2/19</a:t>
             </a:fld>
             <a:endParaRPr kumimoji="1" lang="ja-JP" altLang="en-US"/>
           </a:p>
@@ -11986,7 +11986,7 @@
           <a:p>
             <a:fld id="{377C2488-1C52-4C79-A292-77E3DEC1BAAA}" type="datetimeFigureOut">
               <a:rPr kumimoji="1" lang="ja-JP" altLang="en-US" smtClean="0"/>
-              <a:t>2024/2/17</a:t>
+              <a:t>2024/2/19</a:t>
             </a:fld>
             <a:endParaRPr kumimoji="1" lang="ja-JP" altLang="en-US"/>
           </a:p>
@@ -18054,7 +18054,7 @@
         </p:nvSpPr>
         <p:spPr>
           <a:xfrm>
-            <a:off x="471190" y="359020"/>
+            <a:off x="820996" y="177812"/>
             <a:ext cx="5109091" cy="584775"/>
           </a:xfrm>
           <a:prstGeom prst="rect">
@@ -18483,6 +18483,57 @@
               </a:rPr>
               <a:t>口コミ本文の取得手順と同じ</a:t>
             </a:r>
+          </a:p>
+        </p:txBody>
+      </p:sp>
+      <p:sp>
+        <p:nvSpPr>
+          <p:cNvPr id="2" name="テキスト ボックス 1">
+            <a:extLst>
+              <a:ext uri="{FF2B5EF4-FFF2-40B4-BE49-F238E27FC236}">
+                <a16:creationId xmlns:a16="http://schemas.microsoft.com/office/drawing/2014/main" id="{667535A0-CE1A-DE1A-A6A0-ED85D3A30AAE}"/>
+              </a:ext>
+            </a:extLst>
+          </p:cNvPr>
+          <p:cNvSpPr txBox="1"/>
+          <p:nvPr/>
+        </p:nvSpPr>
+        <p:spPr>
+          <a:xfrm>
+            <a:off x="820996" y="714918"/>
+            <a:ext cx="11971079" cy="584775"/>
+          </a:xfrm>
+          <a:prstGeom prst="rect">
+            <a:avLst/>
+          </a:prstGeom>
+          <a:noFill/>
+        </p:spPr>
+        <p:txBody>
+          <a:bodyPr wrap="square" rtlCol="0">
+            <a:spAutoFit/>
+          </a:bodyPr>
+          <a:lstStyle/>
+          <a:p>
+            <a:pPr algn="l"/>
+            <a:r>
+              <a:rPr kumimoji="1" lang="en-US" altLang="ja-JP" sz="1600" dirty="0">
+                <a:latin typeface="メイリオ" panose="020B0604030504040204" pitchFamily="50" charset="-128"/>
+                <a:ea typeface="メイリオ" panose="020B0604030504040204" pitchFamily="50" charset="-128"/>
+                <a:hlinkClick r:id="rId7"/>
+              </a:rPr>
+              <a:t>https://github.com/ueharaLab/bigdata5_crawler_scraper/blob/main/crawler_image/crawler_image.md</a:t>
+            </a:r>
+            <a:endParaRPr kumimoji="1" lang="en-US" altLang="ja-JP" sz="1600" dirty="0">
+              <a:latin typeface="メイリオ" panose="020B0604030504040204" pitchFamily="50" charset="-128"/>
+              <a:ea typeface="メイリオ" panose="020B0604030504040204" pitchFamily="50" charset="-128"/>
+            </a:endParaRPr>
+          </a:p>
+          <a:p>
+            <a:pPr algn="l"/>
+            <a:endParaRPr kumimoji="1" lang="ja-JP" altLang="en-US" sz="1600" dirty="0">
+              <a:latin typeface="メイリオ" panose="020B0604030504040204" pitchFamily="50" charset="-128"/>
+              <a:ea typeface="メイリオ" panose="020B0604030504040204" pitchFamily="50" charset="-128"/>
+            </a:endParaRPr>
           </a:p>
         </p:txBody>
       </p:sp>
